--- a/static_control_flow/slides.pptx
+++ b/static_control_flow/slides.pptx
@@ -365,7 +365,7 @@
   </inkml:definitions>
   <inkml:trace contextRef="#ctx0" brushRef="#br0">-2124-400 24 0,'-25'4'12'0,"5"-8"-13"15,15 4 25-15,1 0-21 16,-4 0 1 0,0 0 1-16,-4-3 0 0,-5 0-7 15,-3 3 1-15,-5-4 5 16,-3 4 0-16,-5 0-1 15,-4-4 0-15,5 8-1 16,-1 0 0-16,1 6 0 16,-1-2 0-16,9 2-2 15,3 1 0 1,9 0-1-16,12 8 1 0,12-1-1 16,4 7 1-16,13 1-1 15,4 10 1-15,3-11 0 16,5 4 1-16,4 0-1 15,4-4 0-15,0 5 0 16,-4-5 1-16,-1-3 0 16,-11 0 1-16,-8-4 0 0,-5 0 1 15,-11 0 0-15,-14-3 0 16,-15 3 0-16,-17 0 1 16,-8-4-1-16,0-3 0 15,-4-7-2-15,-4-8 1 16,-4-7-2-16,0 4 0 15,0 0-2 1,4-5 0-16,4 6-6 16,4-6 1-16,4 2-8 0,17 2 0 15,8 8 0-15,7 8 0 16</inkml:trace>
   <inkml:trace contextRef="#ctx0" brushRef="#br0" timeOffset="486.6477">-1435-1288 35 0,'-24'-55'17'0,"19"15"-22"0,5 37 34 16,-4-4-29-16,-4-1 0 15,0 5-1-15,0-1 1 16,-4 11-1-16,3 8 1 16,1 14 1-16,4 18 1 0,0 22 0 15,0 7 1-15,-9 12 2 16,1 17 0-16,4 15 1 16,0 6 1-16,-8 16-2 15,8-15 0-15,3-7-2 16,2-5 1-16,-2-17-4 15,1-18 0 1,0-11-7-16,0-18 1 0,0-14-7 16,0-19 1-16,12-26-4 15,9-10 1-15</inkml:trace>
-  <inkml:trace contextRef="#ctx0" brushRef="#br0" timeOffset="1055.6817">-1060-352 26 0,'-4'11'13'0,"-4"-7"-7"0,8 2 20 16,-4 12-24 0,-5 12 1-16,2 3 1 15,2 17 0-15,-3 5-6 16,0 2 1-16,0 6 2 16,0-13 1-16,4-10-6 15,4-7 1-15,4 0-5 16,0-19 0-16,4 0-3 15,4-10 1-15</inkml:trace>
+  <inkml:trace contextRef="#ctx0" brushRef="#br0" timeOffset="1055.6816">-1060-352 26 0,'-4'11'13'0,"-4"-7"-7"0,8 2 20 16,-4 12-24 0,-5 12 1-16,2 3 1 15,2 17 0-15,-3 5-6 16,0 2 1-16,0 6 2 16,0-13 1-16,4-10-6 15,4-7 1-15,4 0-5 16,0-19 0-16,4 0-3 15,4-10 1-15</inkml:trace>
   <inkml:trace contextRef="#ctx0" brushRef="#br0" timeOffset="1318.9651">-929-795 40 0,'0'-39'20'0,"-9"31"-17"0,9 8 40 15,-3 4-40-15,-6 3 0 16,1 0 0-16,0 4 1 0,4-4-7 16,0-3 1-16,4 3-1 15,0 1 0-15,8 2-9 16,5 8 0-16,7 1-3 15,0 3 1-15</inkml:trace>
   <inkml:trace contextRef="#ctx0" brushRef="#br0" timeOffset="2014.7555">-631-47 30 0,'-13'-11'15'0,"-7"-19"-13"0,20 24 26 16,-4-9-27-16,4-3 1 16,9 0 2-16,-2-4 1 15,6 0-5-15,3 0 1 16,0 4 3-16,9-3 0 16,0 9-1-1,3 6 1-15,1 2-2 16,-1 8 1-16,4 6-2 15,5 19 0-15,-8-7-2 16,0 10 1-16,-5 9 0 16,-8 2 0-16,-8 1 0 0,-8-1 0 15,-8 1 0-15,-8-4 1 16,-8-1 0-16,-9-6 1 0,-8-7 0 16,-17-8 0-16,6 0 0 15,-1-11 1-15,8-7-1 16,4-11 0-16,8-3-2 15,5-8 0-15,16 4-4 16,12-7 1-16,12-8-6 16,13 3 0-1,11 2-5-15,9 2 0 16,8-7-2-16,4 1 1 16</inkml:trace>
   <inkml:trace contextRef="#ctx0" brushRef="#br0" timeOffset="2399.2355">-138-1219 25 0,'0'-36'12'0,"17"-15"-5"16,-13 43 23-16,0 1-27 15,-4 7 1-15,4 7 4 16,0 11 0-16,-4 19-9 31,-4 21 0-31,-4 11 7 0,-4 22 0 16,-9 21-2-16,-3 19 1 15,-5 10-3-15,1-3 1 16,-1-7-2-16,4-8 1 16,10-7-2-16,2-18 1 0,5-15-4 15,4-10 0-15,4-22-10 16,8-19 0-16,9-20-3 16,-2-16 0-16</inkml:trace>
@@ -3952,6 +3952,16 @@
               <a:t> audience</a:t>
             </a:r>
           </a:p>
+          <a:p>
+            <a:r>
+              <a:rPr lang="en-US" baseline="0" dirty="0"/>
+              <a:t>Probably better alternative: always have a single </a:t>
+            </a:r>
+            <a:r>
+              <a:rPr lang="en-US" baseline="0"/>
+              <a:t>auto parameter</a:t>
+            </a:r>
+          </a:p>
         </p:txBody>
       </p:sp>
       <p:sp>
